--- a/PPT-2020/ch03 n元语法模型.pptx
+++ b/PPT-2020/ch03 n元语法模型.pptx
@@ -9,9 +9,11 @@
     <p:sldId id="257" r:id="rId3"/>
     <p:sldId id="258" r:id="rId4"/>
     <p:sldId id="259" r:id="rId5"/>
-    <p:sldId id="260" r:id="rId6"/>
-    <p:sldId id="261" r:id="rId7"/>
-    <p:sldId id="262" r:id="rId8"/>
+    <p:sldId id="263" r:id="rId6"/>
+    <p:sldId id="260" r:id="rId7"/>
+    <p:sldId id="264" r:id="rId8"/>
+    <p:sldId id="261" r:id="rId9"/>
+    <p:sldId id="262" r:id="rId10"/>
   </p:sldIdLst>
   <p:sldSz cx="12192000" cy="6858000"/>
   <p:notesSz cx="6858000" cy="9144000"/>
@@ -392,7 +394,7 @@
           <a:p>
             <a:fld id="{B161E7BD-2304-4CFF-AC2E-DAADCB15FF3C}" type="datetimeFigureOut">
               <a:rPr lang="zh-CN" altLang="en-US" smtClean="0"/>
-              <a:t>2020/6/29</a:t>
+              <a:t>2020/6/30</a:t>
             </a:fld>
             <a:endParaRPr lang="zh-CN" altLang="en-US"/>
           </a:p>
@@ -806,7 +808,7 @@
           <a:p>
             <a:fld id="{B161E7BD-2304-4CFF-AC2E-DAADCB15FF3C}" type="datetimeFigureOut">
               <a:rPr lang="zh-CN" altLang="en-US" smtClean="0"/>
-              <a:t>2020/6/29</a:t>
+              <a:t>2020/6/30</a:t>
             </a:fld>
             <a:endParaRPr lang="zh-CN" altLang="en-US"/>
           </a:p>
@@ -1142,7 +1144,7 @@
           <a:p>
             <a:fld id="{B161E7BD-2304-4CFF-AC2E-DAADCB15FF3C}" type="datetimeFigureOut">
               <a:rPr lang="zh-CN" altLang="en-US" smtClean="0"/>
-              <a:t>2020/6/29</a:t>
+              <a:t>2020/6/30</a:t>
             </a:fld>
             <a:endParaRPr lang="zh-CN" altLang="en-US"/>
           </a:p>
@@ -1547,7 +1549,7 @@
           <a:p>
             <a:fld id="{B161E7BD-2304-4CFF-AC2E-DAADCB15FF3C}" type="datetimeFigureOut">
               <a:rPr lang="zh-CN" altLang="en-US" smtClean="0"/>
-              <a:t>2020/6/29</a:t>
+              <a:t>2020/6/30</a:t>
             </a:fld>
             <a:endParaRPr lang="zh-CN" altLang="en-US"/>
           </a:p>
@@ -2115,7 +2117,7 @@
           <a:p>
             <a:fld id="{B161E7BD-2304-4CFF-AC2E-DAADCB15FF3C}" type="datetimeFigureOut">
               <a:rPr lang="zh-CN" altLang="en-US" smtClean="0"/>
-              <a:t>2020/6/29</a:t>
+              <a:t>2020/6/30</a:t>
             </a:fld>
             <a:endParaRPr lang="zh-CN" altLang="en-US"/>
           </a:p>
@@ -2796,7 +2798,7 @@
           <a:p>
             <a:fld id="{B161E7BD-2304-4CFF-AC2E-DAADCB15FF3C}" type="datetimeFigureOut">
               <a:rPr lang="zh-CN" altLang="en-US" smtClean="0"/>
-              <a:t>2020/6/29</a:t>
+              <a:t>2020/6/30</a:t>
             </a:fld>
             <a:endParaRPr lang="zh-CN" altLang="en-US"/>
           </a:p>
@@ -3709,7 +3711,7 @@
           <a:p>
             <a:fld id="{B161E7BD-2304-4CFF-AC2E-DAADCB15FF3C}" type="datetimeFigureOut">
               <a:rPr lang="zh-CN" altLang="en-US" smtClean="0"/>
-              <a:t>2020/6/29</a:t>
+              <a:t>2020/6/30</a:t>
             </a:fld>
             <a:endParaRPr lang="zh-CN" altLang="en-US"/>
           </a:p>
@@ -4022,7 +4024,7 @@
           <a:p>
             <a:fld id="{B161E7BD-2304-4CFF-AC2E-DAADCB15FF3C}" type="datetimeFigureOut">
               <a:rPr lang="zh-CN" altLang="en-US" smtClean="0"/>
-              <a:t>2020/6/29</a:t>
+              <a:t>2020/6/30</a:t>
             </a:fld>
             <a:endParaRPr lang="zh-CN" altLang="en-US"/>
           </a:p>
@@ -4286,7 +4288,7 @@
           <a:p>
             <a:fld id="{B161E7BD-2304-4CFF-AC2E-DAADCB15FF3C}" type="datetimeFigureOut">
               <a:rPr lang="zh-CN" altLang="en-US" smtClean="0"/>
-              <a:t>2020/6/29</a:t>
+              <a:t>2020/6/30</a:t>
             </a:fld>
             <a:endParaRPr lang="zh-CN" altLang="en-US"/>
           </a:p>
@@ -4609,7 +4611,7 @@
           <a:p>
             <a:fld id="{B161E7BD-2304-4CFF-AC2E-DAADCB15FF3C}" type="datetimeFigureOut">
               <a:rPr lang="zh-CN" altLang="en-US" smtClean="0"/>
-              <a:t>2020/6/29</a:t>
+              <a:t>2020/6/30</a:t>
             </a:fld>
             <a:endParaRPr lang="zh-CN" altLang="en-US"/>
           </a:p>
@@ -4998,7 +5000,7 @@
           <a:p>
             <a:fld id="{B161E7BD-2304-4CFF-AC2E-DAADCB15FF3C}" type="datetimeFigureOut">
               <a:rPr lang="zh-CN" altLang="en-US" smtClean="0"/>
-              <a:t>2020/6/29</a:t>
+              <a:t>2020/6/30</a:t>
             </a:fld>
             <a:endParaRPr lang="zh-CN" altLang="en-US"/>
           </a:p>
@@ -5374,7 +5376,7 @@
           <a:p>
             <a:fld id="{B161E7BD-2304-4CFF-AC2E-DAADCB15FF3C}" type="datetimeFigureOut">
               <a:rPr lang="zh-CN" altLang="en-US" smtClean="0"/>
-              <a:t>2020/6/29</a:t>
+              <a:t>2020/6/30</a:t>
             </a:fld>
             <a:endParaRPr lang="zh-CN" altLang="en-US"/>
           </a:p>
@@ -5880,7 +5882,7 @@
           <a:p>
             <a:fld id="{B161E7BD-2304-4CFF-AC2E-DAADCB15FF3C}" type="datetimeFigureOut">
               <a:rPr lang="zh-CN" altLang="en-US" smtClean="0"/>
-              <a:t>2020/6/29</a:t>
+              <a:t>2020/6/30</a:t>
             </a:fld>
             <a:endParaRPr lang="zh-CN" altLang="en-US"/>
           </a:p>
@@ -6137,7 +6139,7 @@
           <a:p>
             <a:fld id="{B161E7BD-2304-4CFF-AC2E-DAADCB15FF3C}" type="datetimeFigureOut">
               <a:rPr lang="zh-CN" altLang="en-US" smtClean="0"/>
-              <a:t>2020/6/29</a:t>
+              <a:t>2020/6/30</a:t>
             </a:fld>
             <a:endParaRPr lang="zh-CN" altLang="en-US"/>
           </a:p>
@@ -6300,7 +6302,7 @@
           <a:p>
             <a:fld id="{B161E7BD-2304-4CFF-AC2E-DAADCB15FF3C}" type="datetimeFigureOut">
               <a:rPr lang="zh-CN" altLang="en-US" smtClean="0"/>
-              <a:t>2020/6/29</a:t>
+              <a:t>2020/6/30</a:t>
             </a:fld>
             <a:endParaRPr lang="zh-CN" altLang="en-US"/>
           </a:p>
@@ -6690,7 +6692,7 @@
           <a:p>
             <a:fld id="{B161E7BD-2304-4CFF-AC2E-DAADCB15FF3C}" type="datetimeFigureOut">
               <a:rPr lang="zh-CN" altLang="en-US" smtClean="0"/>
-              <a:t>2020/6/29</a:t>
+              <a:t>2020/6/30</a:t>
             </a:fld>
             <a:endParaRPr lang="zh-CN" altLang="en-US"/>
           </a:p>
@@ -7099,7 +7101,7 @@
           <a:p>
             <a:fld id="{B161E7BD-2304-4CFF-AC2E-DAADCB15FF3C}" type="datetimeFigureOut">
               <a:rPr lang="zh-CN" altLang="en-US" smtClean="0"/>
-              <a:t>2020/6/29</a:t>
+              <a:t>2020/6/30</a:t>
             </a:fld>
             <a:endParaRPr lang="zh-CN" altLang="en-US"/>
           </a:p>
@@ -7343,7 +7345,7 @@
           <a:p>
             <a:fld id="{B161E7BD-2304-4CFF-AC2E-DAADCB15FF3C}" type="datetimeFigureOut">
               <a:rPr lang="zh-CN" altLang="en-US" smtClean="0"/>
-              <a:t>2020/6/29</a:t>
+              <a:t>2020/6/30</a:t>
             </a:fld>
             <a:endParaRPr lang="zh-CN" altLang="en-US"/>
           </a:p>
@@ -8006,40 +8008,6 @@
             <a:br>
               <a:rPr lang="zh-CN" altLang="en-US" dirty="0"/>
             </a:br>
-            <a:r>
-              <a:rPr lang="zh-CN" altLang="en-US" dirty="0"/>
-              <a:t>　　</a:t>
-            </a:r>
-            <a:r>
-              <a:rPr lang="en-US" altLang="zh-CN" dirty="0"/>
-              <a:t>3.2.1 Laplace</a:t>
-            </a:r>
-            <a:r>
-              <a:rPr lang="zh-CN" altLang="en-US" dirty="0"/>
-              <a:t>法则</a:t>
-            </a:r>
-            <a:br>
-              <a:rPr lang="zh-CN" altLang="en-US" dirty="0"/>
-            </a:br>
-            <a:r>
-              <a:rPr lang="zh-CN" altLang="en-US" dirty="0"/>
-              <a:t>　　</a:t>
-            </a:r>
-            <a:r>
-              <a:rPr lang="en-US" altLang="zh-CN" dirty="0"/>
-              <a:t>3.2.2 </a:t>
-            </a:r>
-            <a:r>
-              <a:rPr lang="en-US" altLang="zh-CN" dirty="0" err="1"/>
-              <a:t>GoodTruring</a:t>
-            </a:r>
-            <a:r>
-              <a:rPr lang="zh-CN" altLang="en-US" dirty="0"/>
-              <a:t>估计</a:t>
-            </a:r>
-            <a:br>
-              <a:rPr lang="zh-CN" altLang="en-US" dirty="0"/>
-            </a:br>
             <a:br>
               <a:rPr lang="zh-CN" altLang="en-US" dirty="0"/>
             </a:br>
@@ -8136,130 +8104,762 @@
             </a:r>
             <a:r>
               <a:rPr lang="zh-CN" altLang="en-US" dirty="0"/>
-              <a:t>元语法的基本概念</a:t>
-            </a:r>
-          </a:p>
-        </p:txBody>
-      </p:sp>
-      <p:sp>
-        <p:nvSpPr>
-          <p:cNvPr id="3" name="内容占位符 2">
-            <a:extLst>
-              <a:ext uri="{FF2B5EF4-FFF2-40B4-BE49-F238E27FC236}">
-                <a16:creationId xmlns:a16="http://schemas.microsoft.com/office/drawing/2014/main" id="{A6811479-1EEF-4B59-87B2-2F603873065B}"/>
-              </a:ext>
-            </a:extLst>
-          </p:cNvPr>
-          <p:cNvSpPr>
-            <a:spLocks noGrp="1"/>
-          </p:cNvSpPr>
-          <p:nvPr>
-            <p:ph idx="1"/>
-          </p:nvPr>
-        </p:nvSpPr>
-        <p:spPr/>
-        <p:txBody>
-          <a:bodyPr/>
-          <a:lstStyle/>
-          <a:p>
+              <a:t>元语法（</a:t>
+            </a:r>
+            <a:r>
+              <a:rPr lang="en-US" altLang="zh-CN" dirty="0"/>
+              <a:t>n-gram</a:t>
+            </a:r>
             <a:r>
               <a:rPr lang="zh-CN" altLang="en-US" dirty="0"/>
-              <a:t>如果对向量 </a:t>
-            </a:r>
-            <a:r>
-              <a:rPr lang="en-US" altLang="zh-CN" dirty="0"/>
-              <a:t>X </a:t>
-            </a:r>
-            <a:r>
-              <a:rPr lang="zh-CN" altLang="en-US" dirty="0"/>
-              <a:t>采用</a:t>
-            </a:r>
-            <a:r>
-              <a:rPr lang="zh-CN" altLang="en-US" u="sng" dirty="0"/>
-              <a:t>条件独立假设</a:t>
-            </a:r>
-            <a:r>
-              <a:rPr lang="zh-CN" altLang="en-US" dirty="0"/>
-              <a:t>，就是朴素贝叶斯方法。</a:t>
-            </a:r>
-          </a:p>
-          <a:p>
-            <a:r>
-              <a:rPr lang="zh-CN" altLang="en-US" dirty="0"/>
-              <a:t>如果对向量 </a:t>
-            </a:r>
-            <a:r>
-              <a:rPr lang="en-US" altLang="zh-CN" dirty="0"/>
-              <a:t>X </a:t>
-            </a:r>
-            <a:r>
-              <a:rPr lang="zh-CN" altLang="en-US" dirty="0"/>
-              <a:t>采用</a:t>
-            </a:r>
-            <a:r>
-              <a:rPr lang="zh-CN" altLang="en-US" u="sng" dirty="0"/>
-              <a:t>马尔科夫假设</a:t>
-            </a:r>
-            <a:r>
-              <a:rPr lang="zh-CN" altLang="en-US" dirty="0"/>
-              <a:t>，就是</a:t>
-            </a:r>
-            <a:r>
-              <a:rPr lang="en-US" altLang="zh-CN" dirty="0"/>
-              <a:t>N-gram</a:t>
-            </a:r>
-            <a:r>
-              <a:rPr lang="zh-CN" altLang="en-US" dirty="0"/>
-              <a:t>语言模型。</a:t>
-            </a:r>
-            <a:endParaRPr lang="en-US" altLang="zh-CN" dirty="0"/>
-          </a:p>
-          <a:p>
-            <a:endParaRPr lang="en-US" altLang="zh-CN" dirty="0"/>
-          </a:p>
-          <a:p>
-            <a:r>
-              <a:rPr lang="en-US" altLang="zh-CN" dirty="0"/>
-              <a:t>N-gram</a:t>
-            </a:r>
-            <a:r>
-              <a:rPr lang="zh-CN" altLang="en-US" dirty="0"/>
-              <a:t>模型是一种语言模型（</a:t>
-            </a:r>
-            <a:r>
-              <a:rPr lang="en-US" altLang="zh-CN" dirty="0"/>
-              <a:t>Language Model</a:t>
-            </a:r>
-            <a:r>
-              <a:rPr lang="zh-CN" altLang="en-US" dirty="0"/>
-              <a:t>，</a:t>
-            </a:r>
-            <a:r>
-              <a:rPr lang="en-US" altLang="zh-CN" dirty="0"/>
-              <a:t>LM</a:t>
-            </a:r>
-            <a:r>
-              <a:rPr lang="zh-CN" altLang="en-US" dirty="0"/>
-              <a:t>）</a:t>
-            </a:r>
-            <a:endParaRPr lang="en-US" altLang="zh-CN" dirty="0"/>
-          </a:p>
-          <a:p>
-            <a:r>
-              <a:rPr lang="zh-CN" altLang="en-US" dirty="0"/>
-              <a:t>语言模型是一个基于概率的判别模型，它的输入是一句话（单词的顺序序列），输出是这句话的概率，即这些单词的联合概率（</a:t>
-            </a:r>
-            <a:r>
-              <a:rPr lang="en-US" altLang="zh-CN" dirty="0"/>
-              <a:t>joint probability</a:t>
-            </a:r>
-            <a:r>
-              <a:rPr lang="zh-CN" altLang="en-US" dirty="0"/>
-              <a:t>）。</a:t>
-            </a:r>
-          </a:p>
-        </p:txBody>
-      </p:sp>
+              <a:t>）的基本概念</a:t>
+            </a:r>
+          </a:p>
+        </p:txBody>
+      </p:sp>
+      <mc:AlternateContent xmlns:mc="http://schemas.openxmlformats.org/markup-compatibility/2006">
+        <mc:Choice xmlns:a14="http://schemas.microsoft.com/office/drawing/2010/main" Requires="a14">
+          <p:sp>
+            <p:nvSpPr>
+              <p:cNvPr id="3" name="内容占位符 2">
+                <a:extLst>
+                  <a:ext uri="{FF2B5EF4-FFF2-40B4-BE49-F238E27FC236}">
+                    <a16:creationId xmlns:a16="http://schemas.microsoft.com/office/drawing/2014/main" id="{A6811479-1EEF-4B59-87B2-2F603873065B}"/>
+                  </a:ext>
+                </a:extLst>
+              </p:cNvPr>
+              <p:cNvSpPr>
+                <a:spLocks noGrp="1"/>
+              </p:cNvSpPr>
+              <p:nvPr>
+                <p:ph idx="1"/>
+              </p:nvPr>
+            </p:nvSpPr>
+            <p:spPr>
+              <a:xfrm>
+                <a:off x="201038" y="2023353"/>
+                <a:ext cx="11634281" cy="4513634"/>
+              </a:xfrm>
+            </p:spPr>
+            <p:txBody>
+              <a:bodyPr>
+                <a:normAutofit fontScale="55000" lnSpcReduction="20000"/>
+              </a:bodyPr>
+              <a:lstStyle/>
+              <a:p>
+                <a:pPr marL="0" indent="0">
+                  <a:spcBef>
+                    <a:spcPts val="900"/>
+                  </a:spcBef>
+                  <a:spcAft>
+                    <a:spcPts val="900"/>
+                  </a:spcAft>
+                  <a:buNone/>
+                </a:pPr>
+                <a:r>
+                  <a:rPr lang="zh-CN" altLang="en-US" sz="2800" dirty="0"/>
+                  <a:t>定义：每个单词的概率仅取决于该单词之前的</a:t>
+                </a:r>
+                <a14:m>
+                  <m:oMath xmlns:m="http://schemas.openxmlformats.org/officeDocument/2006/math">
+                    <m:r>
+                      <a:rPr lang="en-US" altLang="zh-CN" sz="2800"/>
+                      <m:t>𝑛</m:t>
+                    </m:r>
+                  </m:oMath>
+                </a14:m>
+                <a:r>
+                  <a:rPr lang="zh-CN" altLang="en-US" sz="2800" dirty="0"/>
+                  <a:t>个单词。也即：</a:t>
+                </a:r>
+                <a:endParaRPr lang="en-US" altLang="zh-CN" sz="2800" dirty="0"/>
+              </a:p>
+              <a:p>
+                <a:pPr>
+                  <a:spcBef>
+                    <a:spcPts val="900"/>
+                  </a:spcBef>
+                  <a:spcAft>
+                    <a:spcPts val="900"/>
+                  </a:spcAft>
+                </a:pPr>
+                <a:endParaRPr lang="en-US" altLang="zh-CN" sz="2800" dirty="0"/>
+              </a:p>
+              <a:p>
+                <a:pPr>
+                  <a:spcBef>
+                    <a:spcPts val="900"/>
+                  </a:spcBef>
+                  <a:spcAft>
+                    <a:spcPts val="900"/>
+                  </a:spcAft>
+                </a:pPr>
+                <a:endParaRPr lang="en-US" altLang="zh-CN" sz="2800" dirty="0"/>
+              </a:p>
+              <a:p>
+                <a:pPr marL="0" indent="0">
+                  <a:spcBef>
+                    <a:spcPts val="900"/>
+                  </a:spcBef>
+                  <a:spcAft>
+                    <a:spcPts val="900"/>
+                  </a:spcAft>
+                  <a:buNone/>
+                </a:pPr>
+                <a:endParaRPr lang="en-US" altLang="zh-CN" sz="2800" dirty="0"/>
+              </a:p>
+              <a:p>
+                <a:pPr marL="0" indent="0">
+                  <a:spcBef>
+                    <a:spcPts val="900"/>
+                  </a:spcBef>
+                  <a:spcAft>
+                    <a:spcPts val="900"/>
+                  </a:spcAft>
+                  <a:buNone/>
+                </a:pPr>
+                <a:r>
+                  <a:rPr lang="en-US" altLang="zh-CN" sz="2800" dirty="0"/>
+                  <a:t>		P(x1,x2,x3,⋯,xn)=P(x1)P(x2∣x1)P(x3∣x1,x2)⋯P(xn∣x1,x2,⋯,xn−1)</a:t>
+                </a:r>
+              </a:p>
+              <a:p>
+                <a:pPr>
+                  <a:spcBef>
+                    <a:spcPts val="900"/>
+                  </a:spcBef>
+                  <a:spcAft>
+                    <a:spcPts val="900"/>
+                  </a:spcAft>
+                </a:pPr>
+                <a:r>
+                  <a:rPr lang="zh-CN" altLang="en-US" sz="2800" dirty="0"/>
+                  <a:t>当</a:t>
+                </a:r>
+                <a14:m>
+                  <m:oMath xmlns:m="http://schemas.openxmlformats.org/officeDocument/2006/math">
+                    <m:r>
+                      <a:rPr lang="en-US" altLang="zh-CN" sz="2800"/>
+                      <m:t>𝑛</m:t>
+                    </m:r>
+                    <m:r>
+                      <a:rPr lang="en-US" altLang="zh-CN" sz="2800"/>
+                      <m:t>=1</m:t>
+                    </m:r>
+                  </m:oMath>
+                </a14:m>
+                <a:r>
+                  <a:rPr lang="zh-CN" altLang="en-US" sz="2800" dirty="0"/>
+                  <a:t>时的</a:t>
+                </a:r>
+                <a:r>
+                  <a:rPr lang="en-US" altLang="zh-CN" sz="2800" dirty="0"/>
+                  <a:t>n</a:t>
+                </a:r>
+                <a:r>
+                  <a:rPr lang="zh-CN" altLang="en-US" sz="2800" dirty="0"/>
+                  <a:t>元语法称为一元语法（</a:t>
+                </a:r>
+                <a:r>
+                  <a:rPr lang="en-US" altLang="zh-CN" sz="2800" dirty="0"/>
+                  <a:t>unigram</a:t>
+                </a:r>
+                <a:r>
+                  <a:rPr lang="zh-CN" altLang="en-US" sz="2800" dirty="0"/>
+                  <a:t>）</a:t>
+                </a:r>
+                <a:endParaRPr lang="en-US" altLang="zh-CN" sz="2800" dirty="0"/>
+              </a:p>
+              <a:p>
+                <a:pPr>
+                  <a:spcBef>
+                    <a:spcPts val="900"/>
+                  </a:spcBef>
+                  <a:spcAft>
+                    <a:spcPts val="900"/>
+                  </a:spcAft>
+                </a:pPr>
+                <a:r>
+                  <a:rPr lang="zh-CN" altLang="en-US" sz="2800" dirty="0"/>
+                  <a:t>当</a:t>
+                </a:r>
+                <a14:m>
+                  <m:oMath xmlns:m="http://schemas.openxmlformats.org/officeDocument/2006/math">
+                    <m:r>
+                      <a:rPr lang="en-US" altLang="zh-CN" sz="2800">
+                        <a:latin typeface="Cambria Math" panose="02040503050406030204" pitchFamily="18" charset="0"/>
+                      </a:rPr>
+                      <m:t>𝑛</m:t>
+                    </m:r>
+                    <m:r>
+                      <a:rPr lang="en-US" altLang="zh-CN" sz="2800">
+                        <a:latin typeface="Cambria Math" panose="02040503050406030204" pitchFamily="18" charset="0"/>
+                      </a:rPr>
+                      <m:t>=2</m:t>
+                    </m:r>
+                  </m:oMath>
+                </a14:m>
+                <a:r>
+                  <a:rPr lang="zh-CN" altLang="en-US" sz="2800" dirty="0"/>
+                  <a:t>时的</a:t>
+                </a:r>
+                <a:r>
+                  <a:rPr lang="en-US" altLang="zh-CN" sz="2800" dirty="0"/>
+                  <a:t>n</a:t>
+                </a:r>
+                <a:r>
+                  <a:rPr lang="zh-CN" altLang="en-US" sz="2800" dirty="0"/>
+                  <a:t>元语法称为二元语法（</a:t>
+                </a:r>
+                <a:r>
+                  <a:rPr lang="en-US" altLang="zh-CN" sz="2800" dirty="0"/>
+                  <a:t>bigram</a:t>
+                </a:r>
+                <a:r>
+                  <a:rPr lang="zh-CN" altLang="en-US" sz="2800" dirty="0"/>
+                  <a:t>）</a:t>
+                </a:r>
+                <a:endParaRPr lang="en-US" altLang="zh-CN" sz="2800" dirty="0"/>
+              </a:p>
+              <a:p>
+                <a:pPr>
+                  <a:spcBef>
+                    <a:spcPts val="900"/>
+                  </a:spcBef>
+                  <a:spcAft>
+                    <a:spcPts val="900"/>
+                  </a:spcAft>
+                </a:pPr>
+                <a:r>
+                  <a:rPr lang="zh-CN" altLang="en-US" sz="2800" dirty="0"/>
+                  <a:t>当</a:t>
+                </a:r>
+                <a14:m>
+                  <m:oMath xmlns:m="http://schemas.openxmlformats.org/officeDocument/2006/math">
+                    <m:r>
+                      <a:rPr lang="en-US" altLang="zh-CN" sz="2800"/>
+                      <m:t>𝑛</m:t>
+                    </m:r>
+                    <m:r>
+                      <a:rPr lang="en-US" altLang="zh-CN" sz="2800"/>
+                      <m:t>=3</m:t>
+                    </m:r>
+                  </m:oMath>
+                </a14:m>
+                <a:r>
+                  <a:rPr lang="zh-CN" altLang="en-US" sz="2800" dirty="0"/>
+                  <a:t>时的</a:t>
+                </a:r>
+                <a:r>
+                  <a:rPr lang="en-US" altLang="zh-CN" sz="2800" dirty="0"/>
+                  <a:t>n</a:t>
+                </a:r>
+                <a:r>
+                  <a:rPr lang="zh-CN" altLang="en-US" sz="2800" dirty="0"/>
+                  <a:t>元语法称为三元语法（</a:t>
+                </a:r>
+                <a:r>
+                  <a:rPr lang="en-US" altLang="zh-CN" sz="2800" dirty="0"/>
+                  <a:t>trigram</a:t>
+                </a:r>
+                <a:r>
+                  <a:rPr lang="zh-CN" altLang="en-US" sz="2800" dirty="0"/>
+                  <a:t>）</a:t>
+                </a:r>
+                <a:endParaRPr lang="en-US" altLang="zh-CN" sz="2800" dirty="0"/>
+              </a:p>
+              <a:p>
+                <a:pPr>
+                  <a:spcBef>
+                    <a:spcPts val="900"/>
+                  </a:spcBef>
+                  <a:spcAft>
+                    <a:spcPts val="900"/>
+                  </a:spcAft>
+                </a:pPr>
+                <a14:m>
+                  <m:oMath xmlns:m="http://schemas.openxmlformats.org/officeDocument/2006/math">
+                    <m:r>
+                      <m:rPr>
+                        <m:nor/>
+                      </m:rPr>
+                      <a:rPr lang="zh-CN" altLang="en-US" sz="2800" dirty="0"/>
+                      <m:t>当</m:t>
+                    </m:r>
+                    <m:r>
+                      <a:rPr lang="en-US" altLang="zh-CN" sz="2800"/>
+                      <m:t>𝑛</m:t>
+                    </m:r>
+                    <m:r>
+                      <a:rPr lang="en-US" altLang="zh-CN" sz="2800"/>
+                      <m:t>&gt;=4</m:t>
+                    </m:r>
+                  </m:oMath>
+                </a14:m>
+                <a:r>
+                  <a:rPr lang="zh-CN" altLang="en-US" sz="2800" dirty="0"/>
+                  <a:t>时数据稀疏和计算代价又变得显著起来，实际工程中几乎不使用。</a:t>
+                </a:r>
+                <a:endParaRPr lang="en-US" altLang="zh-CN" sz="2800" dirty="0"/>
+              </a:p>
+              <a:p>
+                <a:pPr marL="0" indent="0">
+                  <a:spcBef>
+                    <a:spcPts val="900"/>
+                  </a:spcBef>
+                  <a:spcAft>
+                    <a:spcPts val="900"/>
+                  </a:spcAft>
+                  <a:buNone/>
+                </a:pPr>
+                <a:endParaRPr lang="en-US" altLang="zh-CN" sz="1700" dirty="0"/>
+              </a:p>
+              <a:p>
+                <a:pPr marL="0" indent="0">
+                  <a:spcBef>
+                    <a:spcPts val="900"/>
+                  </a:spcBef>
+                  <a:spcAft>
+                    <a:spcPts val="900"/>
+                  </a:spcAft>
+                  <a:buNone/>
+                </a:pPr>
+                <a:r>
+                  <a:rPr lang="zh-CN" altLang="en-US" sz="1700" dirty="0"/>
+                  <a:t>深度学习递归神经网络语言模型（</a:t>
+                </a:r>
+                <a:r>
+                  <a:rPr lang="en-US" altLang="zh-CN" sz="1700" dirty="0"/>
+                  <a:t>RNN Language Model</a:t>
+                </a:r>
+                <a:r>
+                  <a:rPr lang="zh-CN" altLang="en-US" sz="1700" dirty="0"/>
+                  <a:t>），理论上可以记忆无限个单词，可以看作“无穷元语法”（</a:t>
+                </a:r>
+                <a14:m>
+                  <m:oMath xmlns:m="http://schemas.openxmlformats.org/officeDocument/2006/math">
+                    <m:r>
+                      <a:rPr lang="en-US" altLang="zh-CN" sz="1700"/>
+                      <m:t>∞−</m:t>
+                    </m:r>
+                  </m:oMath>
+                </a14:m>
+                <a:r>
+                  <a:rPr lang="en-US" altLang="zh-CN" sz="1700" dirty="0"/>
+                  <a:t>gram</a:t>
+                </a:r>
+                <a:r>
+                  <a:rPr lang="zh-CN" altLang="en-US" sz="1700" dirty="0"/>
+                  <a:t>）。</a:t>
+                </a:r>
+                <a:endParaRPr lang="en-US" altLang="zh-CN" sz="1700" dirty="0"/>
+              </a:p>
+              <a:p>
+                <a:pPr>
+                  <a:spcBef>
+                    <a:spcPts val="900"/>
+                  </a:spcBef>
+                  <a:spcAft>
+                    <a:spcPts val="900"/>
+                  </a:spcAft>
+                </a:pPr>
+                <a:r>
+                  <a:rPr lang="en-US" altLang="zh-CN" dirty="0">
+                    <a:hlinkClick r:id="rId2"/>
+                  </a:rPr>
+                  <a:t>https://blog.csdn.net/songbinxu/article/details/80209197</a:t>
+                </a:r>
+                <a:endParaRPr lang="en-US" altLang="zh-CN" dirty="0">
+                  <a:latin typeface="Cambria" panose="02040503050406030204" pitchFamily="18" charset="0"/>
+                  <a:ea typeface="SimSun" panose="02010600030101010101" pitchFamily="2" charset="-122"/>
+                  <a:cs typeface="Times New Roman" panose="02020603050405020304" pitchFamily="18" charset="0"/>
+                </a:endParaRPr>
+              </a:p>
+            </p:txBody>
+          </p:sp>
+        </mc:Choice>
+        <mc:Fallback>
+          <p:sp>
+            <p:nvSpPr>
+              <p:cNvPr id="3" name="内容占位符 2">
+                <a:extLst>
+                  <a:ext uri="{FF2B5EF4-FFF2-40B4-BE49-F238E27FC236}">
+                    <a16:creationId xmlns:a16="http://schemas.microsoft.com/office/drawing/2014/main" id="{A6811479-1EEF-4B59-87B2-2F603873065B}"/>
+                  </a:ext>
+                </a:extLst>
+              </p:cNvPr>
+              <p:cNvSpPr>
+                <a:spLocks noGrp="1" noRot="1" noChangeAspect="1" noMove="1" noResize="1" noEditPoints="1" noAdjustHandles="1" noChangeArrowheads="1" noChangeShapeType="1" noTextEdit="1"/>
+              </p:cNvSpPr>
+              <p:nvPr>
+                <p:ph idx="1"/>
+              </p:nvPr>
+            </p:nvSpPr>
+            <p:spPr>
+              <a:xfrm>
+                <a:off x="201038" y="2023353"/>
+                <a:ext cx="11634281" cy="4513634"/>
+              </a:xfrm>
+              <a:blipFill>
+                <a:blip r:embed="rId3"/>
+                <a:stretch>
+                  <a:fillRect l="-210" t="-1486"/>
+                </a:stretch>
+              </a:blipFill>
+            </p:spPr>
+            <p:txBody>
+              <a:bodyPr/>
+              <a:lstStyle/>
+              <a:p>
+                <a:r>
+                  <a:rPr lang="zh-CN" altLang="en-US">
+                    <a:noFill/>
+                  </a:rPr>
+                  <a:t> </a:t>
+                </a:r>
+              </a:p>
+            </p:txBody>
+          </p:sp>
+        </mc:Fallback>
+      </mc:AlternateContent>
+      <mc:AlternateContent xmlns:mc="http://schemas.openxmlformats.org/markup-compatibility/2006">
+        <mc:Choice xmlns:a14="http://schemas.microsoft.com/office/drawing/2010/main" Requires="a14">
+          <p:sp>
+            <p:nvSpPr>
+              <p:cNvPr id="4" name="Rectangle 7">
+                <a:extLst>
+                  <a:ext uri="{FF2B5EF4-FFF2-40B4-BE49-F238E27FC236}">
+                    <a16:creationId xmlns:a16="http://schemas.microsoft.com/office/drawing/2014/main" id="{2FC47597-9866-40B3-815E-F7BCA617A626}"/>
+                  </a:ext>
+                </a:extLst>
+              </p:cNvPr>
+              <p:cNvSpPr/>
+              <p:nvPr/>
+            </p:nvSpPr>
+            <p:spPr>
+              <a:xfrm>
+                <a:off x="2133698" y="2597553"/>
+                <a:ext cx="3962302" cy="876843"/>
+              </a:xfrm>
+              <a:prstGeom prst="rect">
+                <a:avLst/>
+              </a:prstGeom>
+            </p:spPr>
+            <p:txBody>
+              <a:bodyPr wrap="none">
+                <a:spAutoFit/>
+              </a:bodyPr>
+              <a:lstStyle/>
+              <a:p>
+                <a:pPr/>
+                <a14:m>
+                  <m:oMathPara xmlns:m="http://schemas.openxmlformats.org/officeDocument/2006/math">
+                    <m:oMathParaPr>
+                      <m:jc m:val="centerGroup"/>
+                    </m:oMathParaPr>
+                    <m:oMath xmlns:m="http://schemas.openxmlformats.org/officeDocument/2006/math">
+                      <m:m>
+                        <m:mPr>
+                          <m:plcHide m:val="on"/>
+                          <m:mcs>
+                            <m:mc>
+                              <m:mcPr>
+                                <m:count m:val="2"/>
+                                <m:mcJc m:val="center"/>
+                              </m:mcPr>
+                            </m:mc>
+                          </m:mcs>
+                          <m:ctrlPr>
+                            <a:rPr lang="en-US" i="1">
+                              <a:latin typeface="Cambria Math" panose="02040503050406030204" pitchFamily="18" charset="0"/>
+                            </a:rPr>
+                          </m:ctrlPr>
+                        </m:mPr>
+                        <m:mr>
+                          <m:e>
+                            <m:d>
+                              <m:dPr>
+                                <m:begChr m:val=""/>
+                                <m:ctrlPr>
+                                  <a:rPr lang="en-US" i="1">
+                                    <a:latin typeface="Cambria Math" panose="02040503050406030204" pitchFamily="18" charset="0"/>
+                                  </a:rPr>
+                                </m:ctrlPr>
+                              </m:dPr>
+                              <m:e>
+                                <m:r>
+                                  <a:rPr lang="en-US" i="1">
+                                    <a:latin typeface="Cambria Math" panose="02040503050406030204" pitchFamily="18" charset="0"/>
+                                  </a:rPr>
+                                  <m:t>𝑝</m:t>
+                                </m:r>
+                                <m:r>
+                                  <a:rPr lang="en-US" i="0">
+                                    <a:latin typeface="Cambria Math" panose="02040503050406030204" pitchFamily="18" charset="0"/>
+                                  </a:rPr>
+                                  <m:t>(</m:t>
+                                </m:r>
+                                <m:r>
+                                  <a:rPr lang="en-US" b="1" i="1">
+                                    <a:latin typeface="Cambria Math" panose="02040503050406030204" pitchFamily="18" charset="0"/>
+                                  </a:rPr>
+                                  <m:t>𝒘</m:t>
+                                </m:r>
+                              </m:e>
+                            </m:d>
+                          </m:e>
+                          <m:e>
+                            <m:r>
+                              <a:rPr lang="en-US" b="0" i="0">
+                                <a:latin typeface="Cambria Math" panose="02040503050406030204" pitchFamily="18" charset="0"/>
+                              </a:rPr>
+                              <m:t>=</m:t>
+                            </m:r>
+                            <m:nary>
+                              <m:naryPr>
+                                <m:chr m:val="∏"/>
+                                <m:limLoc m:val="undOvr"/>
+                                <m:grow m:val="on"/>
+                                <m:ctrlPr>
+                                  <a:rPr lang="en-US" b="0" i="1">
+                                    <a:latin typeface="Cambria Math" panose="02040503050406030204" pitchFamily="18" charset="0"/>
+                                  </a:rPr>
+                                </m:ctrlPr>
+                              </m:naryPr>
+                              <m:sub>
+                                <m:r>
+                                  <a:rPr lang="en-US" b="0" i="1" smtClean="0">
+                                    <a:latin typeface="Cambria Math" panose="02040503050406030204" pitchFamily="18" charset="0"/>
+                                  </a:rPr>
+                                  <m:t>𝑡</m:t>
+                                </m:r>
+                                <m:r>
+                                  <a:rPr lang="en-US" b="0" i="0">
+                                    <a:latin typeface="Cambria Math" panose="02040503050406030204" pitchFamily="18" charset="0"/>
+                                  </a:rPr>
+                                  <m:t>=1</m:t>
+                                </m:r>
+                              </m:sub>
+                              <m:sup>
+                                <m:r>
+                                  <a:rPr lang="en-US" b="0" i="1">
+                                    <a:latin typeface="Cambria Math" panose="02040503050406030204" pitchFamily="18" charset="0"/>
+                                  </a:rPr>
+                                  <m:t>𝑘</m:t>
+                                </m:r>
+                                <m:r>
+                                  <a:rPr lang="en-US" b="0" i="0">
+                                    <a:latin typeface="Cambria Math" panose="02040503050406030204" pitchFamily="18" charset="0"/>
+                                  </a:rPr>
+                                  <m:t>+</m:t>
+                                </m:r>
+                                <m:r>
+                                  <a:rPr lang="en-US" b="0" i="1">
+                                    <a:latin typeface="Cambria Math" panose="02040503050406030204" pitchFamily="18" charset="0"/>
+                                  </a:rPr>
+                                  <m:t>𝑛</m:t>
+                                </m:r>
+                                <m:r>
+                                  <a:rPr lang="en-US" b="0" i="0">
+                                    <a:latin typeface="Cambria Math" panose="02040503050406030204" pitchFamily="18" charset="0"/>
+                                  </a:rPr>
+                                  <m:t>−1</m:t>
+                                </m:r>
+                              </m:sup>
+                              <m:e>
+                                <m:d>
+                                  <m:dPr>
+                                    <m:begChr m:val=""/>
+                                    <m:ctrlPr>
+                                      <a:rPr lang="en-US" b="0" i="1">
+                                        <a:latin typeface="Cambria Math" panose="02040503050406030204" pitchFamily="18" charset="0"/>
+                                      </a:rPr>
+                                    </m:ctrlPr>
+                                  </m:dPr>
+                                  <m:e>
+                                    <m:r>
+                                      <a:rPr lang="en-US" b="0" i="1">
+                                        <a:latin typeface="Cambria Math" panose="02040503050406030204" pitchFamily="18" charset="0"/>
+                                      </a:rPr>
+                                      <m:t>𝑝</m:t>
+                                    </m:r>
+                                    <m:r>
+                                      <a:rPr lang="en-US" b="0" i="0">
+                                        <a:latin typeface="Cambria Math" panose="02040503050406030204" pitchFamily="18" charset="0"/>
+                                      </a:rPr>
+                                      <m:t>(</m:t>
+                                    </m:r>
+                                    <m:sSub>
+                                      <m:sSubPr>
+                                        <m:ctrlPr>
+                                          <a:rPr lang="en-US" b="0" i="1">
+                                            <a:latin typeface="Cambria Math" panose="02040503050406030204" pitchFamily="18" charset="0"/>
+                                          </a:rPr>
+                                        </m:ctrlPr>
+                                      </m:sSubPr>
+                                      <m:e>
+                                        <m:r>
+                                          <a:rPr lang="en-US" b="0" i="1">
+                                            <a:latin typeface="Cambria Math" panose="02040503050406030204" pitchFamily="18" charset="0"/>
+                                          </a:rPr>
+                                          <m:t>𝑤</m:t>
+                                        </m:r>
+                                      </m:e>
+                                      <m:sub>
+                                        <m:r>
+                                          <a:rPr lang="en-US" b="0" i="1">
+                                            <a:latin typeface="Cambria Math" panose="02040503050406030204" pitchFamily="18" charset="0"/>
+                                          </a:rPr>
+                                          <m:t>𝑡</m:t>
+                                        </m:r>
+                                      </m:sub>
+                                    </m:sSub>
+                                    <m:r>
+                                      <a:rPr lang="en-US" b="0" i="0">
+                                        <a:latin typeface="Cambria Math" panose="02040503050406030204" pitchFamily="18" charset="0"/>
+                                      </a:rPr>
+                                      <m:t>∣</m:t>
+                                    </m:r>
+                                    <m:sSub>
+                                      <m:sSubPr>
+                                        <m:ctrlPr>
+                                          <a:rPr lang="en-US" b="0" i="1">
+                                            <a:latin typeface="Cambria Math" panose="02040503050406030204" pitchFamily="18" charset="0"/>
+                                          </a:rPr>
+                                        </m:ctrlPr>
+                                      </m:sSubPr>
+                                      <m:e>
+                                        <m:r>
+                                          <a:rPr lang="en-US" b="0" i="1">
+                                            <a:latin typeface="Cambria Math" panose="02040503050406030204" pitchFamily="18" charset="0"/>
+                                          </a:rPr>
+                                          <m:t>𝑤</m:t>
+                                        </m:r>
+                                      </m:e>
+                                      <m:sub>
+                                        <m:r>
+                                          <a:rPr lang="en-US" b="0" i="1">
+                                            <a:latin typeface="Cambria Math" panose="02040503050406030204" pitchFamily="18" charset="0"/>
+                                          </a:rPr>
+                                          <m:t>𝑡</m:t>
+                                        </m:r>
+                                        <m:r>
+                                          <a:rPr lang="en-US" b="0" i="0">
+                                            <a:latin typeface="Cambria Math" panose="02040503050406030204" pitchFamily="18" charset="0"/>
+                                          </a:rPr>
+                                          <m:t>−</m:t>
+                                        </m:r>
+                                        <m:r>
+                                          <a:rPr lang="en-US" b="0" i="1">
+                                            <a:latin typeface="Cambria Math" panose="02040503050406030204" pitchFamily="18" charset="0"/>
+                                          </a:rPr>
+                                          <m:t>𝑛</m:t>
+                                        </m:r>
+                                        <m:r>
+                                          <a:rPr lang="en-US" b="0" i="0">
+                                            <a:latin typeface="Cambria Math" panose="02040503050406030204" pitchFamily="18" charset="0"/>
+                                          </a:rPr>
+                                          <m:t>+1</m:t>
+                                        </m:r>
+                                      </m:sub>
+                                    </m:sSub>
+                                    <m:r>
+                                      <a:rPr lang="en-US" b="0" i="0">
+                                        <a:latin typeface="Cambria Math" panose="02040503050406030204" pitchFamily="18" charset="0"/>
+                                      </a:rPr>
+                                      <m:t>…</m:t>
+                                    </m:r>
+                                    <m:sSub>
+                                      <m:sSubPr>
+                                        <m:ctrlPr>
+                                          <a:rPr lang="en-US" b="0" i="1">
+                                            <a:latin typeface="Cambria Math" panose="02040503050406030204" pitchFamily="18" charset="0"/>
+                                          </a:rPr>
+                                        </m:ctrlPr>
+                                      </m:sSubPr>
+                                      <m:e>
+                                        <m:r>
+                                          <a:rPr lang="en-US" b="0" i="1">
+                                            <a:latin typeface="Cambria Math" panose="02040503050406030204" pitchFamily="18" charset="0"/>
+                                          </a:rPr>
+                                          <m:t>𝑤</m:t>
+                                        </m:r>
+                                      </m:e>
+                                      <m:sub>
+                                        <m:r>
+                                          <a:rPr lang="en-US" b="0" i="1">
+                                            <a:latin typeface="Cambria Math" panose="02040503050406030204" pitchFamily="18" charset="0"/>
+                                          </a:rPr>
+                                          <m:t>𝑡</m:t>
+                                        </m:r>
+                                        <m:r>
+                                          <a:rPr lang="en-US" b="0" i="0">
+                                            <a:latin typeface="Cambria Math" panose="02040503050406030204" pitchFamily="18" charset="0"/>
+                                          </a:rPr>
+                                          <m:t>−1</m:t>
+                                        </m:r>
+                                      </m:sub>
+                                    </m:sSub>
+                                  </m:e>
+                                </m:d>
+                              </m:e>
+                            </m:nary>
+                          </m:e>
+                        </m:mr>
+                      </m:m>
+                    </m:oMath>
+                  </m:oMathPara>
+                </a14:m>
+                <a:endParaRPr lang="en-US" dirty="0"/>
+              </a:p>
+            </p:txBody>
+          </p:sp>
+        </mc:Choice>
+        <mc:Fallback>
+          <p:sp>
+            <p:nvSpPr>
+              <p:cNvPr id="4" name="Rectangle 7">
+                <a:extLst>
+                  <a:ext uri="{FF2B5EF4-FFF2-40B4-BE49-F238E27FC236}">
+                    <a16:creationId xmlns:a16="http://schemas.microsoft.com/office/drawing/2014/main" id="{2FC47597-9866-40B3-815E-F7BCA617A626}"/>
+                  </a:ext>
+                </a:extLst>
+              </p:cNvPr>
+              <p:cNvSpPr>
+                <a:spLocks noRot="1" noChangeAspect="1" noMove="1" noResize="1" noEditPoints="1" noAdjustHandles="1" noChangeArrowheads="1" noChangeShapeType="1" noTextEdit="1"/>
+              </p:cNvSpPr>
+              <p:nvPr/>
+            </p:nvSpPr>
+            <p:spPr>
+              <a:xfrm>
+                <a:off x="2133698" y="2597553"/>
+                <a:ext cx="3962302" cy="876843"/>
+              </a:xfrm>
+              <a:prstGeom prst="rect">
+                <a:avLst/>
+              </a:prstGeom>
+              <a:blipFill>
+                <a:blip r:embed="rId4"/>
+                <a:stretch>
+                  <a:fillRect/>
+                </a:stretch>
+              </a:blipFill>
+            </p:spPr>
+            <p:txBody>
+              <a:bodyPr/>
+              <a:lstStyle/>
+              <a:p>
+                <a:r>
+                  <a:rPr lang="zh-CN" altLang="en-US">
+                    <a:noFill/>
+                  </a:rPr>
+                  <a:t> </a:t>
+                </a:r>
+              </a:p>
+            </p:txBody>
+          </p:sp>
+        </mc:Fallback>
+      </mc:AlternateContent>
     </p:spTree>
     <p:extLst>
       <p:ext uri="{BB962C8B-B14F-4D97-AF65-F5344CB8AC3E}">
@@ -8527,7 +9127,7 @@
           <p:cNvPr id="2" name="标题 1">
             <a:extLst>
               <a:ext uri="{FF2B5EF4-FFF2-40B4-BE49-F238E27FC236}">
-                <a16:creationId xmlns:a16="http://schemas.microsoft.com/office/drawing/2014/main" id="{FC597671-CEFA-4649-80FE-338744E31567}"/>
+                <a16:creationId xmlns:a16="http://schemas.microsoft.com/office/drawing/2014/main" id="{D08F4FF3-67B6-41F6-8027-D37B194B927E}"/>
               </a:ext>
             </a:extLst>
           </p:cNvPr>
@@ -8545,11 +9145,19 @@
           <a:p>
             <a:r>
               <a:rPr lang="en-US" altLang="zh-CN" dirty="0"/>
-              <a:t>3.2 </a:t>
+              <a:t>3.1 n</a:t>
             </a:r>
             <a:r>
               <a:rPr lang="zh-CN" altLang="en-US" dirty="0"/>
-              <a:t>数据平滑技术</a:t>
+              <a:t>元语法（</a:t>
+            </a:r>
+            <a:r>
+              <a:rPr lang="en-US" altLang="zh-CN" dirty="0"/>
+              <a:t>n-gram</a:t>
+            </a:r>
+            <a:r>
+              <a:rPr lang="zh-CN" altLang="en-US" dirty="0"/>
+              <a:t>）的基本概念</a:t>
             </a:r>
           </a:p>
         </p:txBody>
@@ -8559,7 +9167,7 @@
           <p:cNvPr id="3" name="内容占位符 2">
             <a:extLst>
               <a:ext uri="{FF2B5EF4-FFF2-40B4-BE49-F238E27FC236}">
-                <a16:creationId xmlns:a16="http://schemas.microsoft.com/office/drawing/2014/main" id="{673426AF-1DEF-432A-805C-776458A85DB2}"/>
+                <a16:creationId xmlns:a16="http://schemas.microsoft.com/office/drawing/2014/main" id="{A6811479-1EEF-4B59-87B2-2F603873065B}"/>
               </a:ext>
             </a:extLst>
           </p:cNvPr>
@@ -8572,14 +9180,58 @@
         </p:nvSpPr>
         <p:spPr/>
         <p:txBody>
-          <a:bodyPr>
-            <a:normAutofit lnSpcReduction="10000"/>
-          </a:bodyPr>
+          <a:bodyPr/>
           <a:lstStyle/>
           <a:p>
             <a:r>
               <a:rPr lang="zh-CN" altLang="en-US" dirty="0"/>
-              <a:t>平滑算法，就是劫富济贫</a:t>
+              <a:t>如果对向量 </a:t>
+            </a:r>
+            <a:r>
+              <a:rPr lang="en-US" altLang="zh-CN" dirty="0"/>
+              <a:t>X </a:t>
+            </a:r>
+            <a:r>
+              <a:rPr lang="zh-CN" altLang="en-US" dirty="0"/>
+              <a:t>采用</a:t>
+            </a:r>
+            <a:r>
+              <a:rPr lang="zh-CN" altLang="en-US" u="sng" dirty="0"/>
+              <a:t>条件独立假设</a:t>
+            </a:r>
+            <a:r>
+              <a:rPr lang="zh-CN" altLang="en-US" dirty="0"/>
+              <a:t>，就是朴素贝叶斯方法。</a:t>
+            </a:r>
+          </a:p>
+          <a:p>
+            <a:r>
+              <a:rPr lang="zh-CN" altLang="en-US" dirty="0"/>
+              <a:t>如果对向量 </a:t>
+            </a:r>
+            <a:r>
+              <a:rPr lang="en-US" altLang="zh-CN" dirty="0"/>
+              <a:t>X </a:t>
+            </a:r>
+            <a:r>
+              <a:rPr lang="zh-CN" altLang="en-US" dirty="0"/>
+              <a:t>采用</a:t>
+            </a:r>
+            <a:r>
+              <a:rPr lang="zh-CN" altLang="en-US" u="sng" dirty="0"/>
+              <a:t>马尔科夫假设</a:t>
+            </a:r>
+            <a:r>
+              <a:rPr lang="zh-CN" altLang="en-US" dirty="0"/>
+              <a:t>，就是</a:t>
+            </a:r>
+            <a:r>
+              <a:rPr lang="en-US" altLang="zh-CN" dirty="0"/>
+              <a:t>N-gram</a:t>
+            </a:r>
+            <a:r>
+              <a:rPr lang="zh-CN" altLang="en-US" dirty="0"/>
+              <a:t>语言模型。</a:t>
             </a:r>
             <a:endParaRPr lang="en-US" altLang="zh-CN" dirty="0"/>
           </a:p>
@@ -8589,29 +9241,42 @@
           <a:p>
             <a:r>
               <a:rPr lang="en-US" altLang="zh-CN" dirty="0"/>
-              <a:t>n</a:t>
+              <a:t>N-gram</a:t>
             </a:r>
             <a:r>
               <a:rPr lang="zh-CN" altLang="en-US" dirty="0"/>
-              <a:t>元语法模型中，在统计结果中出现了零概率事件反映语言的规律性，即这种现象本来就不该出现，但更多的时候是由于语言模型的训练文本</a:t>
+              <a:t>模型是一种语言模型（</a:t>
             </a:r>
             <a:r>
               <a:rPr lang="en-US" altLang="zh-CN" dirty="0"/>
-              <a:t>T</a:t>
+              <a:t>Language Model</a:t>
             </a:r>
             <a:r>
               <a:rPr lang="zh-CN" altLang="en-US" dirty="0"/>
-              <a:t>的规模以及其分布存在着一定的局限性和片面性。这就是所谓的“数据稀疏”问题。        </a:t>
+              <a:t>，</a:t>
+            </a:r>
+            <a:r>
+              <a:rPr lang="en-US" altLang="zh-CN" dirty="0"/>
+              <a:t>LM</a:t>
+            </a:r>
+            <a:r>
+              <a:rPr lang="zh-CN" altLang="en-US" dirty="0"/>
+              <a:t>）</a:t>
             </a:r>
             <a:endParaRPr lang="en-US" altLang="zh-CN" dirty="0"/>
           </a:p>
           <a:p>
-            <a:endParaRPr lang="en-US" altLang="zh-CN" dirty="0"/>
-          </a:p>
-          <a:p>
             <a:r>
               <a:rPr lang="zh-CN" altLang="en-US" dirty="0"/>
-              <a:t>所谓“数据平滑技术”，是指为了产生更准确的概率来调整最大似然估计的技术，基本思想就是提高低概率（如零概率），降低低概率，尽量使概率分布趋于平均。</a:t>
+              <a:t>语言模型是一个基于概率的判别模型，它的输入是一句话（单词的顺序序列），输出是这句话的概率，即这些单词的联合概率（</a:t>
+            </a:r>
+            <a:r>
+              <a:rPr lang="en-US" altLang="zh-CN" dirty="0"/>
+              <a:t>joint probability</a:t>
+            </a:r>
+            <a:r>
+              <a:rPr lang="zh-CN" altLang="en-US" dirty="0"/>
+              <a:t>）。</a:t>
             </a:r>
           </a:p>
         </p:txBody>
@@ -8619,7 +9284,7 @@
     </p:spTree>
     <p:extLst>
       <p:ext uri="{BB962C8B-B14F-4D97-AF65-F5344CB8AC3E}">
-        <p14:creationId xmlns:p14="http://schemas.microsoft.com/office/powerpoint/2010/main" val="4127394405"/>
+        <p14:creationId xmlns:p14="http://schemas.microsoft.com/office/powerpoint/2010/main" val="1226781120"/>
       </p:ext>
     </p:extLst>
   </p:cSld>
@@ -8651,6 +9316,210 @@
           <p:cNvPr id="2" name="标题 1">
             <a:extLst>
               <a:ext uri="{FF2B5EF4-FFF2-40B4-BE49-F238E27FC236}">
+                <a16:creationId xmlns:a16="http://schemas.microsoft.com/office/drawing/2014/main" id="{FC597671-CEFA-4649-80FE-338744E31567}"/>
+              </a:ext>
+            </a:extLst>
+          </p:cNvPr>
+          <p:cNvSpPr>
+            <a:spLocks noGrp="1"/>
+          </p:cNvSpPr>
+          <p:nvPr>
+            <p:ph type="title"/>
+          </p:nvPr>
+        </p:nvSpPr>
+        <p:spPr/>
+        <p:txBody>
+          <a:bodyPr/>
+          <a:lstStyle/>
+          <a:p>
+            <a:r>
+              <a:rPr lang="en-US" altLang="zh-CN" dirty="0"/>
+              <a:t>3.2 </a:t>
+            </a:r>
+            <a:r>
+              <a:rPr lang="zh-CN" altLang="en-US" dirty="0"/>
+              <a:t>数据平滑技术</a:t>
+            </a:r>
+          </a:p>
+        </p:txBody>
+      </p:sp>
+      <p:sp>
+        <p:nvSpPr>
+          <p:cNvPr id="3" name="内容占位符 2">
+            <a:extLst>
+              <a:ext uri="{FF2B5EF4-FFF2-40B4-BE49-F238E27FC236}">
+                <a16:creationId xmlns:a16="http://schemas.microsoft.com/office/drawing/2014/main" id="{673426AF-1DEF-432A-805C-776458A85DB2}"/>
+              </a:ext>
+            </a:extLst>
+          </p:cNvPr>
+          <p:cNvSpPr>
+            <a:spLocks noGrp="1"/>
+          </p:cNvSpPr>
+          <p:nvPr>
+            <p:ph idx="1"/>
+          </p:nvPr>
+        </p:nvSpPr>
+        <p:spPr/>
+        <p:txBody>
+          <a:bodyPr>
+            <a:normAutofit lnSpcReduction="10000"/>
+          </a:bodyPr>
+          <a:lstStyle/>
+          <a:p>
+            <a:r>
+              <a:rPr lang="zh-CN" altLang="en-US" dirty="0"/>
+              <a:t>平滑算法，就是劫富济贫</a:t>
+            </a:r>
+            <a:endParaRPr lang="en-US" altLang="zh-CN" dirty="0"/>
+          </a:p>
+          <a:p>
+            <a:endParaRPr lang="en-US" altLang="zh-CN" dirty="0"/>
+          </a:p>
+          <a:p>
+            <a:r>
+              <a:rPr lang="en-US" altLang="zh-CN" dirty="0"/>
+              <a:t>n</a:t>
+            </a:r>
+            <a:r>
+              <a:rPr lang="zh-CN" altLang="en-US" dirty="0"/>
+              <a:t>元语法模型中，在统计结果中出现了零概率事件反映语言的规律性，即这种现象本来就不该出现，但更多的时候是由于语言模型的训练文本</a:t>
+            </a:r>
+            <a:r>
+              <a:rPr lang="en-US" altLang="zh-CN" dirty="0"/>
+              <a:t>T</a:t>
+            </a:r>
+            <a:r>
+              <a:rPr lang="zh-CN" altLang="en-US" dirty="0"/>
+              <a:t>的规模以及其分布存在着一定的局限性和片面性。这就是所谓的“数据稀疏”问题。        </a:t>
+            </a:r>
+            <a:endParaRPr lang="en-US" altLang="zh-CN" dirty="0"/>
+          </a:p>
+          <a:p>
+            <a:endParaRPr lang="en-US" altLang="zh-CN" dirty="0"/>
+          </a:p>
+          <a:p>
+            <a:r>
+              <a:rPr lang="zh-CN" altLang="en-US" dirty="0"/>
+              <a:t>所谓“数据平滑技术”，是指为了产生更准确的概率来调整最大似然估计的技术，基本思想就是提高低概率（如零概率），降低低概率，尽量使概率分布趋于平均。</a:t>
+            </a:r>
+          </a:p>
+        </p:txBody>
+      </p:sp>
+    </p:spTree>
+    <p:extLst>
+      <p:ext uri="{BB962C8B-B14F-4D97-AF65-F5344CB8AC3E}">
+        <p14:creationId xmlns:p14="http://schemas.microsoft.com/office/powerpoint/2010/main" val="4127394405"/>
+      </p:ext>
+    </p:extLst>
+  </p:cSld>
+  <p:clrMapOvr>
+    <a:masterClrMapping/>
+  </p:clrMapOvr>
+</p:sld>
+</file>
+
+<file path=ppt/slides/slide7.xml><?xml version="1.0" encoding="utf-8"?>
+<p:sld xmlns:a="http://schemas.openxmlformats.org/drawingml/2006/main" xmlns:r="http://schemas.openxmlformats.org/officeDocument/2006/relationships" xmlns:p="http://schemas.openxmlformats.org/presentationml/2006/main">
+  <p:cSld>
+    <p:spTree>
+      <p:nvGrpSpPr>
+        <p:cNvPr id="1" name=""/>
+        <p:cNvGrpSpPr/>
+        <p:nvPr/>
+      </p:nvGrpSpPr>
+      <p:grpSpPr>
+        <a:xfrm>
+          <a:off x="0" y="0"/>
+          <a:ext cx="0" cy="0"/>
+          <a:chOff x="0" y="0"/>
+          <a:chExt cx="0" cy="0"/>
+        </a:xfrm>
+      </p:grpSpPr>
+      <p:sp>
+        <p:nvSpPr>
+          <p:cNvPr id="2" name="标题 1">
+            <a:extLst>
+              <a:ext uri="{FF2B5EF4-FFF2-40B4-BE49-F238E27FC236}">
+                <a16:creationId xmlns:a16="http://schemas.microsoft.com/office/drawing/2014/main" id="{5E5B4573-3976-4BDB-89C7-0E99B4E60566}"/>
+              </a:ext>
+            </a:extLst>
+          </p:cNvPr>
+          <p:cNvSpPr>
+            <a:spLocks noGrp="1"/>
+          </p:cNvSpPr>
+          <p:nvPr>
+            <p:ph type="title"/>
+          </p:nvPr>
+        </p:nvSpPr>
+        <p:spPr/>
+        <p:txBody>
+          <a:bodyPr/>
+          <a:lstStyle/>
+          <a:p>
+            <a:endParaRPr lang="zh-CN" altLang="en-US"/>
+          </a:p>
+        </p:txBody>
+      </p:sp>
+      <p:sp>
+        <p:nvSpPr>
+          <p:cNvPr id="3" name="内容占位符 2">
+            <a:extLst>
+              <a:ext uri="{FF2B5EF4-FFF2-40B4-BE49-F238E27FC236}">
+                <a16:creationId xmlns:a16="http://schemas.microsoft.com/office/drawing/2014/main" id="{DCFA3A41-CE66-4215-B286-2895A88526EC}"/>
+              </a:ext>
+            </a:extLst>
+          </p:cNvPr>
+          <p:cNvSpPr>
+            <a:spLocks noGrp="1"/>
+          </p:cNvSpPr>
+          <p:nvPr>
+            <p:ph idx="1"/>
+          </p:nvPr>
+        </p:nvSpPr>
+        <p:spPr/>
+        <p:txBody>
+          <a:bodyPr/>
+          <a:lstStyle/>
+          <a:p>
+            <a:endParaRPr lang="zh-CN" altLang="en-US" dirty="0"/>
+          </a:p>
+        </p:txBody>
+      </p:sp>
+    </p:spTree>
+    <p:extLst>
+      <p:ext uri="{BB962C8B-B14F-4D97-AF65-F5344CB8AC3E}">
+        <p14:creationId xmlns:p14="http://schemas.microsoft.com/office/powerpoint/2010/main" val="391757946"/>
+      </p:ext>
+    </p:extLst>
+  </p:cSld>
+  <p:clrMapOvr>
+    <a:masterClrMapping/>
+  </p:clrMapOvr>
+</p:sld>
+</file>
+
+<file path=ppt/slides/slide8.xml><?xml version="1.0" encoding="utf-8"?>
+<p:sld xmlns:a="http://schemas.openxmlformats.org/drawingml/2006/main" xmlns:r="http://schemas.openxmlformats.org/officeDocument/2006/relationships" xmlns:p="http://schemas.openxmlformats.org/presentationml/2006/main">
+  <p:cSld>
+    <p:spTree>
+      <p:nvGrpSpPr>
+        <p:cNvPr id="1" name=""/>
+        <p:cNvGrpSpPr/>
+        <p:nvPr/>
+      </p:nvGrpSpPr>
+      <p:grpSpPr>
+        <a:xfrm>
+          <a:off x="0" y="0"/>
+          <a:ext cx="0" cy="0"/>
+          <a:chOff x="0" y="0"/>
+          <a:chExt cx="0" cy="0"/>
+        </a:xfrm>
+      </p:grpSpPr>
+      <p:sp>
+        <p:nvSpPr>
+          <p:cNvPr id="2" name="标题 1">
+            <a:extLst>
+              <a:ext uri="{FF2B5EF4-FFF2-40B4-BE49-F238E27FC236}">
                 <a16:creationId xmlns:a16="http://schemas.microsoft.com/office/drawing/2014/main" id="{AF61C673-221B-4EE3-9F60-438226DB5F46}"/>
               </a:ext>
             </a:extLst>
@@ -8716,7 +9585,7 @@
 </p:sld>
 </file>
 
-<file path=ppt/slides/slide7.xml><?xml version="1.0" encoding="utf-8"?>
+<file path=ppt/slides/slide9.xml><?xml version="1.0" encoding="utf-8"?>
 <p:sld xmlns:a="http://schemas.openxmlformats.org/drawingml/2006/main" xmlns:r="http://schemas.openxmlformats.org/officeDocument/2006/relationships" xmlns:p="http://schemas.openxmlformats.org/presentationml/2006/main">
   <p:cSld>
     <p:spTree>
